--- a/zsx.pptx
+++ b/zsx.pptx
@@ -235,7 +235,7 @@
           <a:p>
             <a:fld id="{6854A1DB-77B4-46A1-8248-376E3A826541}" type="datetimeFigureOut">
               <a:rPr lang="zh-CN" altLang="en-US" smtClean="0"/>
-              <a:t>2023/11/24</a:t>
+              <a:t>2023/11/25</a:t>
             </a:fld>
             <a:endParaRPr lang="zh-CN" altLang="en-US"/>
           </a:p>
@@ -662,7 +662,7 @@
           <a:p>
             <a:r>
               <a:rPr lang="zh-CN" altLang="en-US" dirty="0"/>
-              <a:t>实际情况中，天气预报需要考虑气压、云图、温度等因素，根据历史记录进行大数据分析来预测</a:t>
+              <a:t>实际情况中，天气预报需要考虑气压、云图、温度等因素，根据历史记录进行大数据分析来预测。思政内容</a:t>
             </a:r>
           </a:p>
         </p:txBody>
@@ -747,10 +747,7 @@
           <a:bodyPr/>
           <a:lstStyle/>
           <a:p>
-            <a:r>
-              <a:rPr lang="zh-CN" altLang="en-US" dirty="0"/>
-              <a:t>根据剩余时间调整思考题的内容陈述时长</a:t>
-            </a:r>
+            <a:endParaRPr lang="zh-CN" altLang="en-US" dirty="0"/>
           </a:p>
         </p:txBody>
       </p:sp>
@@ -1282,10 +1279,7 @@
           <a:bodyPr/>
           <a:lstStyle/>
           <a:p>
-            <a:r>
-              <a:rPr lang="zh-CN" altLang="en-US" dirty="0"/>
-              <a:t>添加题干</a:t>
-            </a:r>
+            <a:endParaRPr lang="zh-CN" altLang="en-US" dirty="0"/>
           </a:p>
         </p:txBody>
       </p:sp>
@@ -1369,10 +1363,7 @@
           <a:bodyPr/>
           <a:lstStyle/>
           <a:p>
-            <a:r>
-              <a:rPr lang="zh-CN" altLang="en-US" dirty="0"/>
-              <a:t>添加题干</a:t>
-            </a:r>
+            <a:endParaRPr lang="zh-CN" altLang="en-US" dirty="0"/>
           </a:p>
         </p:txBody>
       </p:sp>
@@ -1456,10 +1447,7 @@
           <a:bodyPr/>
           <a:lstStyle/>
           <a:p>
-            <a:r>
-              <a:rPr lang="zh-CN" altLang="en-US" dirty="0"/>
-              <a:t>实际情况中，天气预报需要考虑气压、云图、温度等因素，根据历史记录进行大数据分析来预测</a:t>
-            </a:r>
+            <a:endParaRPr lang="zh-CN" altLang="en-US" dirty="0"/>
           </a:p>
         </p:txBody>
       </p:sp>
@@ -8430,8 +8418,8 @@
           </a:p>
         </p:txBody>
       </p:sp>
-      <mc:AlternateContent xmlns:mc="http://schemas.openxmlformats.org/markup-compatibility/2006">
-        <mc:Choice xmlns:a14="http://schemas.microsoft.com/office/drawing/2010/main" Requires="a14">
+      <mc:AlternateContent xmlns:mc="http://schemas.openxmlformats.org/markup-compatibility/2006" xmlns:a14="http://schemas.microsoft.com/office/drawing/2010/main">
+        <mc:Choice Requires="a14">
           <p:sp>
             <p:nvSpPr>
               <p:cNvPr id="6" name="内容占位符 5">
@@ -9419,7 +9407,7 @@
             </p:txBody>
           </p:sp>
         </mc:Choice>
-        <mc:Fallback>
+        <mc:Fallback xmlns="">
           <p:sp>
             <p:nvSpPr>
               <p:cNvPr id="6" name="内容占位符 5">
@@ -10356,8 +10344,8 @@
           </a:p>
         </p:txBody>
       </p:sp>
-      <mc:AlternateContent xmlns:mc="http://schemas.openxmlformats.org/markup-compatibility/2006">
-        <mc:Choice xmlns:a14="http://schemas.microsoft.com/office/drawing/2010/main" Requires="a14">
+      <mc:AlternateContent xmlns:mc="http://schemas.openxmlformats.org/markup-compatibility/2006" xmlns:a14="http://schemas.microsoft.com/office/drawing/2010/main">
+        <mc:Choice Requires="a14">
           <p:sp>
             <p:nvSpPr>
               <p:cNvPr id="6" name="内容占位符 5">
@@ -12062,7 +12050,7 @@
             </p:txBody>
           </p:sp>
         </mc:Choice>
-        <mc:Fallback>
+        <mc:Fallback xmlns="">
           <p:sp>
             <p:nvSpPr>
               <p:cNvPr id="6" name="内容占位符 5">
@@ -12898,8 +12886,8 @@
           </a:p>
         </p:txBody>
       </p:sp>
-      <mc:AlternateContent xmlns:mc="http://schemas.openxmlformats.org/markup-compatibility/2006">
-        <mc:Choice xmlns:a14="http://schemas.microsoft.com/office/drawing/2010/main" Requires="a14">
+      <mc:AlternateContent xmlns:mc="http://schemas.openxmlformats.org/markup-compatibility/2006" xmlns:a14="http://schemas.microsoft.com/office/drawing/2010/main">
+        <mc:Choice Requires="a14">
           <p:sp>
             <p:nvSpPr>
               <p:cNvPr id="6" name="内容占位符 5">
@@ -14001,7 +13989,7 @@
             </p:txBody>
           </p:sp>
         </mc:Choice>
-        <mc:Fallback>
+        <mc:Fallback xmlns="">
           <p:sp>
             <p:nvSpPr>
               <p:cNvPr id="6" name="内容占位符 5">
@@ -17277,18 +17265,30 @@
                           <m:mr>
                             <m:e>
                               <m:r>
-                                <a:rPr lang="en-US" altLang="zh-CN" sz="2400" b="1" i="1">
+                                <a:rPr lang="en-US" altLang="zh-CN" sz="2400" b="1" i="1" smtClean="0">
                                   <a:latin typeface="Cambria Math" panose="02040503050406030204" pitchFamily="18" charset="0"/>
                                 </a:rPr>
-                                <m:t>𝟐</m:t>
+                                <m:t>𝟏</m:t>
                               </m:r>
                             </m:e>
                             <m:e>
                               <m:r>
-                                <a:rPr lang="en-US" altLang="zh-CN" sz="2400" b="1" i="1">
+                                <a:rPr lang="en-US" altLang="zh-CN" sz="2400" b="1" i="1" smtClean="0">
                                   <a:latin typeface="Cambria Math" panose="02040503050406030204" pitchFamily="18" charset="0"/>
                                 </a:rPr>
-                                <m:t>𝟏</m:t>
+                                <m:t>𝟎</m:t>
+                              </m:r>
+                              <m:r>
+                                <a:rPr lang="en-US" altLang="zh-CN" sz="2400" b="1" i="1" smtClean="0">
+                                  <a:latin typeface="Cambria Math" panose="02040503050406030204" pitchFamily="18" charset="0"/>
+                                </a:rPr>
+                                <m:t>.</m:t>
+                              </m:r>
+                              <m:r>
+                                <a:rPr lang="en-US" altLang="zh-CN" sz="2400" b="1" i="1" smtClean="0">
+                                  <a:latin typeface="Cambria Math" panose="02040503050406030204" pitchFamily="18" charset="0"/>
+                                </a:rPr>
+                                <m:t>𝟐</m:t>
                               </m:r>
                             </m:e>
                           </m:mr>
@@ -17303,10 +17303,10 @@
                             </m:e>
                             <m:e>
                               <m:r>
-                                <a:rPr lang="en-US" altLang="zh-CN" sz="2400" b="1" i="1">
+                                <a:rPr lang="en-US" altLang="zh-CN" sz="2400" b="1" i="1" smtClean="0">
                                   <a:latin typeface="Cambria Math" panose="02040503050406030204" pitchFamily="18" charset="0"/>
                                 </a:rPr>
-                                <m:t>𝟐</m:t>
+                                <m:t>𝟏</m:t>
                               </m:r>
                             </m:e>
                           </m:mr>
@@ -17322,39 +17322,6 @@
                 <a:r>
                   <a:rPr lang="en-US" altLang="zh-CN" sz="2400" b="1" dirty="0"/>
                   <a:t>.</a:t>
-                </a:r>
-              </a:p>
-              <a:p>
-                <a:pPr marL="0" indent="0">
-                  <a:buNone/>
-                </a:pPr>
-                <a14:m>
-                  <m:oMath xmlns:m="http://schemas.openxmlformats.org/officeDocument/2006/math">
-                    <m:r>
-                      <a:rPr lang="en-US" altLang="zh-CN" sz="2400" b="1" i="1" smtClean="0">
-                        <a:latin typeface="Cambria Math" panose="02040503050406030204" pitchFamily="18" charset="0"/>
-                      </a:rPr>
-                      <m:t>𝒏</m:t>
-                    </m:r>
-                  </m:oMath>
-                </a14:m>
-                <a:r>
-                  <a:rPr lang="zh-CN" altLang="en-US" sz="2400" b="1" dirty="0"/>
-                  <a:t>阶矩阵一定有</a:t>
-                </a:r>
-                <a14:m>
-                  <m:oMath xmlns:m="http://schemas.openxmlformats.org/officeDocument/2006/math">
-                    <m:r>
-                      <a:rPr lang="en-US" altLang="zh-CN" sz="2400" b="1" i="1" smtClean="0">
-                        <a:latin typeface="Cambria Math" panose="02040503050406030204" pitchFamily="18" charset="0"/>
-                      </a:rPr>
-                      <m:t>𝒏</m:t>
-                    </m:r>
-                  </m:oMath>
-                </a14:m>
-                <a:r>
-                  <a:rPr lang="zh-CN" altLang="en-US" sz="2400" b="1" dirty="0"/>
-                  <a:t>个线性无关的特征向量吗？</a:t>
                 </a:r>
               </a:p>
             </p:txBody>
@@ -17407,6 +17374,552 @@
           </p:sp>
         </mc:Fallback>
       </mc:AlternateContent>
+      <p:grpSp>
+        <p:nvGrpSpPr>
+          <p:cNvPr id="21" name="组合 20">
+            <a:extLst>
+              <a:ext uri="{FF2B5EF4-FFF2-40B4-BE49-F238E27FC236}">
+                <a16:creationId xmlns:a16="http://schemas.microsoft.com/office/drawing/2014/main" id="{2B71B12E-D241-43A9-BC12-C65883C70048}"/>
+              </a:ext>
+            </a:extLst>
+          </p:cNvPr>
+          <p:cNvGrpSpPr/>
+          <p:nvPr/>
+        </p:nvGrpSpPr>
+        <p:grpSpPr>
+          <a:xfrm>
+            <a:off x="3318012" y="2035776"/>
+            <a:ext cx="1800225" cy="1854000"/>
+            <a:chOff x="3318012" y="2251800"/>
+            <a:chExt cx="1800225" cy="1854000"/>
+          </a:xfrm>
+        </p:grpSpPr>
+        <p:pic>
+          <p:nvPicPr>
+            <p:cNvPr id="17" name="图片 16">
+              <a:extLst>
+                <a:ext uri="{FF2B5EF4-FFF2-40B4-BE49-F238E27FC236}">
+                  <a16:creationId xmlns:a16="http://schemas.microsoft.com/office/drawing/2014/main" id="{1F3EB234-3D79-4630-A4CB-E86329081403}"/>
+                </a:ext>
+              </a:extLst>
+            </p:cNvPr>
+            <p:cNvPicPr>
+              <a:picLocks noChangeAspect="1"/>
+            </p:cNvPicPr>
+            <p:nvPr/>
+          </p:nvPicPr>
+          <p:blipFill>
+            <a:blip r:embed="rId4"/>
+            <a:stretch>
+              <a:fillRect/>
+            </a:stretch>
+          </p:blipFill>
+          <p:spPr>
+            <a:xfrm>
+              <a:off x="3318012" y="2455631"/>
+              <a:ext cx="1800225" cy="1438275"/>
+            </a:xfrm>
+            <a:prstGeom prst="rect">
+              <a:avLst/>
+            </a:prstGeom>
+          </p:spPr>
+        </p:pic>
+        <p:sp>
+          <p:nvSpPr>
+            <p:cNvPr id="18" name="平行四边形 17">
+              <a:extLst>
+                <a:ext uri="{FF2B5EF4-FFF2-40B4-BE49-F238E27FC236}">
+                  <a16:creationId xmlns:a16="http://schemas.microsoft.com/office/drawing/2014/main" id="{C2843672-2E9C-4A27-BF0F-2903CED081CA}"/>
+                </a:ext>
+              </a:extLst>
+            </p:cNvPr>
+            <p:cNvSpPr/>
+            <p:nvPr/>
+          </p:nvSpPr>
+          <p:spPr>
+            <a:xfrm rot="4550475">
+              <a:off x="3287201" y="2476800"/>
+              <a:ext cx="1854000" cy="1404000"/>
+            </a:xfrm>
+            <a:prstGeom prst="parallelogram">
+              <a:avLst>
+                <a:gd name="adj" fmla="val 25924"/>
+              </a:avLst>
+            </a:prstGeom>
+            <a:noFill/>
+            <a:ln>
+              <a:solidFill>
+                <a:srgbClr val="FF0000"/>
+              </a:solidFill>
+            </a:ln>
+          </p:spPr>
+          <p:style>
+            <a:lnRef idx="2">
+              <a:schemeClr val="accent1">
+                <a:shade val="50000"/>
+              </a:schemeClr>
+            </a:lnRef>
+            <a:fillRef idx="1">
+              <a:schemeClr val="accent1"/>
+            </a:fillRef>
+            <a:effectRef idx="0">
+              <a:schemeClr val="accent1"/>
+            </a:effectRef>
+            <a:fontRef idx="minor">
+              <a:schemeClr val="lt1"/>
+            </a:fontRef>
+          </p:style>
+          <p:txBody>
+            <a:bodyPr rtlCol="0" anchor="ctr"/>
+            <a:lstStyle/>
+            <a:p>
+              <a:pPr algn="ctr"/>
+              <a:endParaRPr lang="zh-CN" altLang="en-US"/>
+            </a:p>
+          </p:txBody>
+        </p:sp>
+      </p:grpSp>
+      <p:grpSp>
+        <p:nvGrpSpPr>
+          <p:cNvPr id="3" name="组合 2">
+            <a:extLst>
+              <a:ext uri="{FF2B5EF4-FFF2-40B4-BE49-F238E27FC236}">
+                <a16:creationId xmlns:a16="http://schemas.microsoft.com/office/drawing/2014/main" id="{8B050800-4EB8-4263-A502-0D9DB924D354}"/>
+              </a:ext>
+            </a:extLst>
+          </p:cNvPr>
+          <p:cNvGrpSpPr/>
+          <p:nvPr/>
+        </p:nvGrpSpPr>
+        <p:grpSpPr>
+          <a:xfrm>
+            <a:off x="3132168" y="1779662"/>
+            <a:ext cx="3074173" cy="2246769"/>
+            <a:chOff x="7020432" y="979038"/>
+            <a:chExt cx="3074173" cy="2246769"/>
+          </a:xfrm>
+        </p:grpSpPr>
+        <p:grpSp>
+          <p:nvGrpSpPr>
+            <p:cNvPr id="4" name="组合 3">
+              <a:extLst>
+                <a:ext uri="{FF2B5EF4-FFF2-40B4-BE49-F238E27FC236}">
+                  <a16:creationId xmlns:a16="http://schemas.microsoft.com/office/drawing/2014/main" id="{1F512129-F916-485B-A1DD-8A8BB6927729}"/>
+                </a:ext>
+              </a:extLst>
+            </p:cNvPr>
+            <p:cNvGrpSpPr/>
+            <p:nvPr/>
+          </p:nvGrpSpPr>
+          <p:grpSpPr>
+            <a:xfrm>
+              <a:off x="7020432" y="1116000"/>
+              <a:ext cx="2952000" cy="2023278"/>
+              <a:chOff x="7020432" y="1116000"/>
+              <a:chExt cx="2952000" cy="2023278"/>
+            </a:xfrm>
+          </p:grpSpPr>
+          <p:cxnSp>
+            <p:nvCxnSpPr>
+              <p:cNvPr id="6" name="直接箭头连接符 5">
+                <a:extLst>
+                  <a:ext uri="{FF2B5EF4-FFF2-40B4-BE49-F238E27FC236}">
+                    <a16:creationId xmlns:a16="http://schemas.microsoft.com/office/drawing/2014/main" id="{910B2172-7E66-4555-817D-B9BE84DAFEE8}"/>
+                  </a:ext>
+                </a:extLst>
+              </p:cNvPr>
+              <p:cNvCxnSpPr>
+                <a:cxnSpLocks/>
+              </p:cNvCxnSpPr>
+              <p:nvPr/>
+            </p:nvCxnSpPr>
+            <p:spPr>
+              <a:xfrm flipV="1">
+                <a:off x="7560000" y="1116000"/>
+                <a:ext cx="0" cy="2023278"/>
+              </a:xfrm>
+              <a:prstGeom prst="straightConnector1">
+                <a:avLst/>
+              </a:prstGeom>
+              <a:ln w="12700">
+                <a:tailEnd type="triangle" w="med" len="lg"/>
+              </a:ln>
+            </p:spPr>
+            <p:style>
+              <a:lnRef idx="1">
+                <a:schemeClr val="accent1"/>
+              </a:lnRef>
+              <a:fillRef idx="0">
+                <a:schemeClr val="accent1"/>
+              </a:fillRef>
+              <a:effectRef idx="0">
+                <a:schemeClr val="accent1"/>
+              </a:effectRef>
+              <a:fontRef idx="minor">
+                <a:schemeClr val="tx1"/>
+              </a:fontRef>
+            </p:style>
+          </p:cxnSp>
+          <p:cxnSp>
+            <p:nvCxnSpPr>
+              <p:cNvPr id="7" name="直接箭头连接符 6">
+                <a:extLst>
+                  <a:ext uri="{FF2B5EF4-FFF2-40B4-BE49-F238E27FC236}">
+                    <a16:creationId xmlns:a16="http://schemas.microsoft.com/office/drawing/2014/main" id="{97DF49B0-6F6C-4575-92CD-B9A4429B5664}"/>
+                  </a:ext>
+                </a:extLst>
+              </p:cNvPr>
+              <p:cNvCxnSpPr>
+                <a:cxnSpLocks/>
+              </p:cNvCxnSpPr>
+              <p:nvPr/>
+            </p:nvCxnSpPr>
+            <p:spPr>
+              <a:xfrm>
+                <a:off x="7020432" y="2880000"/>
+                <a:ext cx="2952000" cy="0"/>
+              </a:xfrm>
+              <a:prstGeom prst="straightConnector1">
+                <a:avLst/>
+              </a:prstGeom>
+              <a:ln w="12700">
+                <a:tailEnd type="triangle" w="med" len="lg"/>
+              </a:ln>
+            </p:spPr>
+            <p:style>
+              <a:lnRef idx="1">
+                <a:schemeClr val="accent1"/>
+              </a:lnRef>
+              <a:fillRef idx="0">
+                <a:schemeClr val="accent1"/>
+              </a:fillRef>
+              <a:effectRef idx="0">
+                <a:schemeClr val="accent1"/>
+              </a:effectRef>
+              <a:fontRef idx="minor">
+                <a:schemeClr val="tx1"/>
+              </a:fontRef>
+            </p:style>
+          </p:cxnSp>
+        </p:grpSp>
+        <mc:AlternateContent xmlns:mc="http://schemas.openxmlformats.org/markup-compatibility/2006">
+          <mc:Choice xmlns:a14="http://schemas.microsoft.com/office/drawing/2010/main" Requires="a14">
+            <p:sp>
+              <p:nvSpPr>
+                <p:cNvPr id="5" name="文本框 4">
+                  <a:extLst>
+                    <a:ext uri="{FF2B5EF4-FFF2-40B4-BE49-F238E27FC236}">
+                      <a16:creationId xmlns:a16="http://schemas.microsoft.com/office/drawing/2014/main" id="{C4D8B3CA-7C39-4DF8-B1D7-466DC9C88351}"/>
+                    </a:ext>
+                  </a:extLst>
+                </p:cNvPr>
+                <p:cNvSpPr txBox="1"/>
+                <p:nvPr/>
+              </p:nvSpPr>
+              <p:spPr>
+                <a:xfrm>
+                  <a:off x="7204018" y="979038"/>
+                  <a:ext cx="2890587" cy="2246769"/>
+                </a:xfrm>
+                <a:prstGeom prst="rect">
+                  <a:avLst/>
+                </a:prstGeom>
+                <a:noFill/>
+              </p:spPr>
+              <p:txBody>
+                <a:bodyPr wrap="square" rtlCol="0">
+                  <a:spAutoFit/>
+                </a:bodyPr>
+                <a:lstStyle/>
+                <a:p>
+                  <a:r>
+                    <a:rPr lang="en-US" altLang="zh-CN" sz="2000" b="0" dirty="0">
+                      <a:solidFill>
+                        <a:schemeClr val="accent1"/>
+                      </a:solidFill>
+                    </a:rPr>
+                    <a:t>     </a:t>
+                  </a:r>
+                  <a14:m>
+                    <m:oMath xmlns:m="http://schemas.openxmlformats.org/officeDocument/2006/math">
+                      <m:r>
+                        <a:rPr lang="en-US" altLang="zh-CN" sz="2000" b="0" i="1" smtClean="0">
+                          <a:solidFill>
+                            <a:schemeClr val="accent1"/>
+                          </a:solidFill>
+                          <a:latin typeface="Cambria Math" panose="02040503050406030204" pitchFamily="18" charset="0"/>
+                        </a:rPr>
+                        <m:t>𝑦</m:t>
+                      </m:r>
+                    </m:oMath>
+                  </a14:m>
+                  <a:r>
+                    <a:rPr lang="en-US" altLang="zh-CN" sz="2000" b="0" dirty="0">
+                      <a:solidFill>
+                        <a:schemeClr val="accent1"/>
+                      </a:solidFill>
+                    </a:rPr>
+                    <a:t> </a:t>
+                  </a:r>
+                </a:p>
+                <a:p>
+                  <a:endParaRPr lang="en-US" altLang="zh-CN" sz="2000" b="0" dirty="0">
+                    <a:solidFill>
+                      <a:schemeClr val="accent1"/>
+                    </a:solidFill>
+                  </a:endParaRPr>
+                </a:p>
+                <a:p>
+                  <a:endParaRPr lang="en-US" altLang="zh-CN" sz="2000" dirty="0">
+                    <a:solidFill>
+                      <a:schemeClr val="accent1"/>
+                    </a:solidFill>
+                  </a:endParaRPr>
+                </a:p>
+                <a:p>
+                  <a:endParaRPr lang="en-US" altLang="zh-CN" sz="2000" b="0" dirty="0">
+                    <a:solidFill>
+                      <a:schemeClr val="accent1"/>
+                    </a:solidFill>
+                  </a:endParaRPr>
+                </a:p>
+                <a:p>
+                  <a:endParaRPr lang="en-US" altLang="zh-CN" sz="2000" b="0" dirty="0">
+                    <a:solidFill>
+                      <a:schemeClr val="accent1"/>
+                    </a:solidFill>
+                  </a:endParaRPr>
+                </a:p>
+                <a:p>
+                  <a:endParaRPr lang="en-US" altLang="zh-CN" sz="2000" b="0" i="1" dirty="0">
+                    <a:solidFill>
+                      <a:schemeClr val="accent1"/>
+                    </a:solidFill>
+                    <a:latin typeface="Cambria Math" panose="02040503050406030204" pitchFamily="18" charset="0"/>
+                  </a:endParaRPr>
+                </a:p>
+                <a:p>
+                  <a:r>
+                    <a:rPr lang="en-US" altLang="zh-CN" sz="2000" b="0" dirty="0">
+                      <a:solidFill>
+                        <a:schemeClr val="accent1"/>
+                      </a:solidFill>
+                    </a:rPr>
+                    <a:t> </a:t>
+                  </a:r>
+                  <a14:m>
+                    <m:oMath xmlns:m="http://schemas.openxmlformats.org/officeDocument/2006/math">
+                      <m:r>
+                        <a:rPr lang="en-US" altLang="zh-CN" sz="2000" b="0" i="1" smtClean="0">
+                          <a:solidFill>
+                            <a:schemeClr val="accent1"/>
+                          </a:solidFill>
+                          <a:latin typeface="Cambria Math" panose="02040503050406030204" pitchFamily="18" charset="0"/>
+                        </a:rPr>
+                        <m:t>𝑂</m:t>
+                      </m:r>
+                    </m:oMath>
+                  </a14:m>
+                  <a:r>
+                    <a:rPr lang="en-US" altLang="zh-CN" sz="2000" dirty="0">
+                      <a:solidFill>
+                        <a:schemeClr val="accent1"/>
+                      </a:solidFill>
+                    </a:rPr>
+                    <a:t>  </a:t>
+                  </a:r>
+                  <a:r>
+                    <a:rPr lang="en-US" altLang="zh-CN" sz="1200" dirty="0">
+                      <a:solidFill>
+                        <a:schemeClr val="accent1"/>
+                      </a:solidFill>
+                    </a:rPr>
+                    <a:t> </a:t>
+                  </a:r>
+                  <a:r>
+                    <a:rPr lang="en-US" altLang="zh-CN" sz="2000" dirty="0">
+                      <a:solidFill>
+                        <a:schemeClr val="accent1"/>
+                      </a:solidFill>
+                    </a:rPr>
+                    <a:t>                </a:t>
+                  </a:r>
+                  <a14:m>
+                    <m:oMath xmlns:m="http://schemas.openxmlformats.org/officeDocument/2006/math">
+                      <m:r>
+                        <a:rPr lang="en-US" altLang="zh-CN" sz="2000" i="1">
+                          <a:solidFill>
+                            <a:schemeClr val="accent1"/>
+                          </a:solidFill>
+                          <a:latin typeface="Cambria Math" panose="02040503050406030204" pitchFamily="18" charset="0"/>
+                        </a:rPr>
+                        <m:t>𝑥</m:t>
+                      </m:r>
+                    </m:oMath>
+                  </a14:m>
+                  <a:endParaRPr lang="zh-CN" altLang="en-US" sz="2000" dirty="0">
+                    <a:solidFill>
+                      <a:schemeClr val="accent1"/>
+                    </a:solidFill>
+                  </a:endParaRPr>
+                </a:p>
+              </p:txBody>
+            </p:sp>
+          </mc:Choice>
+          <mc:Fallback>
+            <p:sp>
+              <p:nvSpPr>
+                <p:cNvPr id="5" name="文本框 4">
+                  <a:extLst>
+                    <a:ext uri="{FF2B5EF4-FFF2-40B4-BE49-F238E27FC236}">
+                      <a16:creationId xmlns:a16="http://schemas.microsoft.com/office/drawing/2014/main" id="{C4D8B3CA-7C39-4DF8-B1D7-466DC9C88351}"/>
+                    </a:ext>
+                  </a:extLst>
+                </p:cNvPr>
+                <p:cNvSpPr txBox="1">
+                  <a:spLocks noRot="1" noChangeAspect="1" noMove="1" noResize="1" noEditPoints="1" noAdjustHandles="1" noChangeArrowheads="1" noChangeShapeType="1" noTextEdit="1"/>
+                </p:cNvSpPr>
+                <p:nvPr/>
+              </p:nvSpPr>
+              <p:spPr>
+                <a:xfrm>
+                  <a:off x="7204018" y="979038"/>
+                  <a:ext cx="2890587" cy="2246769"/>
+                </a:xfrm>
+                <a:prstGeom prst="rect">
+                  <a:avLst/>
+                </a:prstGeom>
+                <a:blipFill>
+                  <a:blip r:embed="rId5"/>
+                  <a:stretch>
+                    <a:fillRect/>
+                  </a:stretch>
+                </a:blipFill>
+              </p:spPr>
+              <p:txBody>
+                <a:bodyPr/>
+                <a:lstStyle/>
+                <a:p>
+                  <a:r>
+                    <a:rPr lang="zh-CN" altLang="en-US">
+                      <a:noFill/>
+                    </a:rPr>
+                    <a:t> </a:t>
+                  </a:r>
+                </a:p>
+              </p:txBody>
+            </p:sp>
+          </mc:Fallback>
+        </mc:AlternateContent>
+      </p:grpSp>
+      <p:grpSp>
+        <p:nvGrpSpPr>
+          <p:cNvPr id="20" name="组合 19">
+            <a:extLst>
+              <a:ext uri="{FF2B5EF4-FFF2-40B4-BE49-F238E27FC236}">
+                <a16:creationId xmlns:a16="http://schemas.microsoft.com/office/drawing/2014/main" id="{F0561A94-6B2D-4F07-93A7-13C2AD018DD3}"/>
+              </a:ext>
+            </a:extLst>
+          </p:cNvPr>
+          <p:cNvGrpSpPr/>
+          <p:nvPr/>
+        </p:nvGrpSpPr>
+        <p:grpSpPr>
+          <a:xfrm>
+            <a:off x="3674376" y="2229202"/>
+            <a:ext cx="1440001" cy="1447052"/>
+            <a:chOff x="4932040" y="2132650"/>
+            <a:chExt cx="1440001" cy="1447052"/>
+          </a:xfrm>
+        </p:grpSpPr>
+        <p:pic>
+          <p:nvPicPr>
+            <p:cNvPr id="12" name="图片 11">
+              <a:extLst>
+                <a:ext uri="{FF2B5EF4-FFF2-40B4-BE49-F238E27FC236}">
+                  <a16:creationId xmlns:a16="http://schemas.microsoft.com/office/drawing/2014/main" id="{8938BFEF-4B76-4831-93B7-35C33C18BCDA}"/>
+                </a:ext>
+              </a:extLst>
+            </p:cNvPr>
+            <p:cNvPicPr>
+              <a:picLocks/>
+            </p:cNvPicPr>
+            <p:nvPr/>
+          </p:nvPicPr>
+          <p:blipFill rotWithShape="1">
+            <a:blip r:embed="rId6" cstate="print">
+              <a:extLst>
+                <a:ext uri="{28A0092B-C50C-407E-A947-70E740481C1C}">
+                  <a14:useLocalDpi xmlns:a14="http://schemas.microsoft.com/office/drawing/2010/main" val="0"/>
+                </a:ext>
+              </a:extLst>
+            </a:blip>
+            <a:srcRect l="2" r="33610"/>
+            <a:stretch/>
+          </p:blipFill>
+          <p:spPr>
+            <a:xfrm>
+              <a:off x="4932040" y="2139702"/>
+              <a:ext cx="1440000" cy="1440000"/>
+            </a:xfrm>
+            <a:prstGeom prst="rect">
+              <a:avLst/>
+            </a:prstGeom>
+          </p:spPr>
+        </p:pic>
+        <p:sp>
+          <p:nvSpPr>
+            <p:cNvPr id="19" name="矩形 18">
+              <a:extLst>
+                <a:ext uri="{FF2B5EF4-FFF2-40B4-BE49-F238E27FC236}">
+                  <a16:creationId xmlns:a16="http://schemas.microsoft.com/office/drawing/2014/main" id="{DCE51208-4282-4C69-8007-1CDEFB40246A}"/>
+                </a:ext>
+              </a:extLst>
+            </p:cNvPr>
+            <p:cNvSpPr/>
+            <p:nvPr/>
+          </p:nvSpPr>
+          <p:spPr>
+            <a:xfrm>
+              <a:off x="4932041" y="2132650"/>
+              <a:ext cx="1440000" cy="1440000"/>
+            </a:xfrm>
+            <a:prstGeom prst="rect">
+              <a:avLst/>
+            </a:prstGeom>
+            <a:noFill/>
+            <a:ln>
+              <a:solidFill>
+                <a:srgbClr val="FF0000"/>
+              </a:solidFill>
+            </a:ln>
+          </p:spPr>
+          <p:style>
+            <a:lnRef idx="2">
+              <a:schemeClr val="accent1">
+                <a:shade val="50000"/>
+              </a:schemeClr>
+            </a:lnRef>
+            <a:fillRef idx="1">
+              <a:schemeClr val="accent1"/>
+            </a:fillRef>
+            <a:effectRef idx="0">
+              <a:schemeClr val="accent1"/>
+            </a:effectRef>
+            <a:fontRef idx="minor">
+              <a:schemeClr val="lt1"/>
+            </a:fontRef>
+          </p:style>
+          <p:txBody>
+            <a:bodyPr rtlCol="0" anchor="ctr"/>
+            <a:lstStyle/>
+            <a:p>
+              <a:pPr algn="ctr"/>
+              <a:endParaRPr lang="zh-CN" altLang="en-US"/>
+            </a:p>
+          </p:txBody>
+        </p:sp>
+      </p:grpSp>
     </p:spTree>
     <p:extLst>
       <p:ext uri="{BB962C8B-B14F-4D97-AF65-F5344CB8AC3E}">
@@ -17494,31 +18007,36 @@
                             </p:childTnLst>
                           </p:cTn>
                         </p:par>
+                      </p:childTnLst>
+                    </p:cTn>
+                  </p:par>
+                  <p:par>
+                    <p:cTn id="8" fill="hold">
+                      <p:stCondLst>
+                        <p:cond delay="indefinite"/>
+                      </p:stCondLst>
+                      <p:childTnLst>
                         <p:par>
-                          <p:cTn id="8" fill="hold">
+                          <p:cTn id="9" fill="hold">
                             <p:stCondLst>
-                              <p:cond delay="500"/>
+                              <p:cond delay="0"/>
                             </p:stCondLst>
                             <p:childTnLst>
                               <p:par>
-                                <p:cTn id="9" presetID="10" presetClass="entr" presetSubtype="0" fill="hold" grpId="0" nodeType="afterEffect">
+                                <p:cTn id="10" presetID="1" presetClass="entr" presetSubtype="0" fill="hold" nodeType="clickEffect">
                                   <p:stCondLst>
                                     <p:cond delay="0"/>
                                   </p:stCondLst>
                                   <p:childTnLst>
                                     <p:set>
                                       <p:cBhvr>
-                                        <p:cTn id="10" dur="1" fill="hold">
+                                        <p:cTn id="11" dur="1" fill="hold">
                                           <p:stCondLst>
                                             <p:cond delay="0"/>
                                           </p:stCondLst>
                                         </p:cTn>
                                         <p:tgtEl>
-                                          <p:spTgt spid="9">
-                                            <p:txEl>
-                                              <p:pRg st="1" end="1"/>
-                                            </p:txEl>
-                                          </p:spTgt>
+                                          <p:spTgt spid="3"/>
                                         </p:tgtEl>
                                         <p:attrNameLst>
                                           <p:attrName>style.visibility</p:attrName>
@@ -17528,18 +18046,147 @@
                                         <p:strVal val="visible"/>
                                       </p:to>
                                     </p:set>
-                                    <p:animEffect transition="in" filter="fade">
+                                  </p:childTnLst>
+                                </p:cTn>
+                              </p:par>
+                            </p:childTnLst>
+                          </p:cTn>
+                        </p:par>
+                      </p:childTnLst>
+                    </p:cTn>
+                  </p:par>
+                  <p:par>
+                    <p:cTn id="12" fill="hold">
+                      <p:stCondLst>
+                        <p:cond delay="indefinite"/>
+                      </p:stCondLst>
+                      <p:childTnLst>
+                        <p:par>
+                          <p:cTn id="13" fill="hold">
+                            <p:stCondLst>
+                              <p:cond delay="0"/>
+                            </p:stCondLst>
+                            <p:childTnLst>
+                              <p:par>
+                                <p:cTn id="14" presetID="22" presetClass="entr" presetSubtype="8" fill="hold" nodeType="clickEffect">
+                                  <p:stCondLst>
+                                    <p:cond delay="0"/>
+                                  </p:stCondLst>
+                                  <p:childTnLst>
+                                    <p:set>
                                       <p:cBhvr>
-                                        <p:cTn id="11" dur="500"/>
+                                        <p:cTn id="15" dur="1" fill="hold">
+                                          <p:stCondLst>
+                                            <p:cond delay="0"/>
+                                          </p:stCondLst>
+                                        </p:cTn>
                                         <p:tgtEl>
-                                          <p:spTgt spid="9">
-                                            <p:txEl>
-                                              <p:pRg st="1" end="1"/>
-                                            </p:txEl>
-                                          </p:spTgt>
+                                          <p:spTgt spid="21"/>
+                                        </p:tgtEl>
+                                        <p:attrNameLst>
+                                          <p:attrName>style.visibility</p:attrName>
+                                        </p:attrNameLst>
+                                      </p:cBhvr>
+                                      <p:to>
+                                        <p:strVal val="visible"/>
+                                      </p:to>
+                                    </p:set>
+                                    <p:animEffect transition="in" filter="wipe(left)">
+                                      <p:cBhvr>
+                                        <p:cTn id="16" dur="500"/>
+                                        <p:tgtEl>
+                                          <p:spTgt spid="21"/>
                                         </p:tgtEl>
                                       </p:cBhvr>
                                     </p:animEffect>
+                                  </p:childTnLst>
+                                </p:cTn>
+                              </p:par>
+                            </p:childTnLst>
+                          </p:cTn>
+                        </p:par>
+                      </p:childTnLst>
+                    </p:cTn>
+                  </p:par>
+                  <p:par>
+                    <p:cTn id="17" fill="hold">
+                      <p:stCondLst>
+                        <p:cond delay="indefinite"/>
+                      </p:stCondLst>
+                      <p:childTnLst>
+                        <p:par>
+                          <p:cTn id="18" fill="hold">
+                            <p:stCondLst>
+                              <p:cond delay="0"/>
+                            </p:stCondLst>
+                            <p:childTnLst>
+                              <p:par>
+                                <p:cTn id="19" presetID="22" presetClass="entr" presetSubtype="8" fill="hold" nodeType="clickEffect">
+                                  <p:stCondLst>
+                                    <p:cond delay="0"/>
+                                  </p:stCondLst>
+                                  <p:childTnLst>
+                                    <p:set>
+                                      <p:cBhvr>
+                                        <p:cTn id="20" dur="1" fill="hold">
+                                          <p:stCondLst>
+                                            <p:cond delay="0"/>
+                                          </p:stCondLst>
+                                        </p:cTn>
+                                        <p:tgtEl>
+                                          <p:spTgt spid="20"/>
+                                        </p:tgtEl>
+                                        <p:attrNameLst>
+                                          <p:attrName>style.visibility</p:attrName>
+                                        </p:attrNameLst>
+                                      </p:cBhvr>
+                                      <p:to>
+                                        <p:strVal val="visible"/>
+                                      </p:to>
+                                    </p:set>
+                                    <p:animEffect transition="in" filter="wipe(left)">
+                                      <p:cBhvr>
+                                        <p:cTn id="21" dur="500"/>
+                                        <p:tgtEl>
+                                          <p:spTgt spid="20"/>
+                                        </p:tgtEl>
+                                      </p:cBhvr>
+                                    </p:animEffect>
+                                  </p:childTnLst>
+                                </p:cTn>
+                              </p:par>
+                              <p:par>
+                                <p:cTn id="22" presetID="22" presetClass="exit" presetSubtype="8" fill="hold" nodeType="withEffect">
+                                  <p:stCondLst>
+                                    <p:cond delay="0"/>
+                                  </p:stCondLst>
+                                  <p:childTnLst>
+                                    <p:animEffect transition="out" filter="wipe(left)">
+                                      <p:cBhvr>
+                                        <p:cTn id="23" dur="500"/>
+                                        <p:tgtEl>
+                                          <p:spTgt spid="21"/>
+                                        </p:tgtEl>
+                                      </p:cBhvr>
+                                    </p:animEffect>
+                                    <p:set>
+                                      <p:cBhvr>
+                                        <p:cTn id="24" dur="1" fill="hold">
+                                          <p:stCondLst>
+                                            <p:cond delay="499"/>
+                                          </p:stCondLst>
+                                        </p:cTn>
+                                        <p:tgtEl>
+                                          <p:spTgt spid="21"/>
+                                        </p:tgtEl>
+                                        <p:attrNameLst>
+                                          <p:attrName>style.visibility</p:attrName>
+                                        </p:attrNameLst>
+                                      </p:cBhvr>
+                                      <p:to>
+                                        <p:strVal val="hidden"/>
+                                      </p:to>
+                                    </p:set>
                                   </p:childTnLst>
                                 </p:cTn>
                               </p:par>
@@ -17759,7 +18406,7 @@
           <a:graphicData uri="http://schemas.openxmlformats.org/presentationml/2006/ole">
             <mc:AlternateContent xmlns:mc="http://schemas.openxmlformats.org/markup-compatibility/2006">
               <mc:Choice xmlns:v="urn:schemas-microsoft-com:vml" Requires="v">
-                <p:oleObj spid="_x0000_s206193" name="Image" r:id="rId6" imgW="1015560" imgH="711000" progId="Photoshop.Image.13">
+                <p:oleObj spid="_x0000_s206211" name="Image" r:id="rId6" imgW="1015560" imgH="711000" progId="Photoshop.Image.13">
                   <p:embed/>
                 </p:oleObj>
               </mc:Choice>
@@ -17828,7 +18475,7 @@
           <a:graphicData uri="http://schemas.openxmlformats.org/presentationml/2006/ole">
             <mc:AlternateContent xmlns:mc="http://schemas.openxmlformats.org/markup-compatibility/2006">
               <mc:Choice xmlns:v="urn:schemas-microsoft-com:vml" Requires="v">
-                <p:oleObj spid="_x0000_s206194" name="Image" r:id="rId8" imgW="1002960" imgH="711000" progId="Photoshop.Image.13">
+                <p:oleObj spid="_x0000_s206212" name="Image" r:id="rId8" imgW="1002960" imgH="711000" progId="Photoshop.Image.13">
                   <p:embed/>
                 </p:oleObj>
               </mc:Choice>
@@ -18205,7 +18852,7 @@
               <a:graphicData uri="http://schemas.openxmlformats.org/presentationml/2006/ole">
                 <mc:AlternateContent xmlns:mc="http://schemas.openxmlformats.org/markup-compatibility/2006">
                   <mc:Choice xmlns:v="urn:schemas-microsoft-com:vml" Requires="v">
-                    <p:oleObj spid="_x0000_s206195" name="Image" r:id="rId8" imgW="1002960" imgH="711000" progId="Photoshop.Image.13">
+                    <p:oleObj spid="_x0000_s206213" name="Image" r:id="rId8" imgW="1002960" imgH="711000" progId="Photoshop.Image.13">
                       <p:embed/>
                     </p:oleObj>
                   </mc:Choice>
@@ -20046,7 +20693,7 @@
             <a:graphicData uri="http://schemas.openxmlformats.org/presentationml/2006/ole">
               <mc:AlternateContent xmlns:mc="http://schemas.openxmlformats.org/markup-compatibility/2006">
                 <mc:Choice xmlns:v="urn:schemas-microsoft-com:vml" Requires="v">
-                  <p:oleObj spid="_x0000_s207088" name="Image" r:id="rId5" imgW="1015560" imgH="711000" progId="Photoshop.Image.13">
+                  <p:oleObj spid="_x0000_s207100" name="Image" r:id="rId5" imgW="1015560" imgH="711000" progId="Photoshop.Image.13">
                     <p:embed/>
                   </p:oleObj>
                 </mc:Choice>
@@ -20115,7 +20762,7 @@
             <a:graphicData uri="http://schemas.openxmlformats.org/presentationml/2006/ole">
               <mc:AlternateContent xmlns:mc="http://schemas.openxmlformats.org/markup-compatibility/2006">
                 <mc:Choice xmlns:v="urn:schemas-microsoft-com:vml" Requires="v">
-                  <p:oleObj spid="_x0000_s207089" name="Image" r:id="rId7" imgW="1002960" imgH="711000" progId="Photoshop.Image.13">
+                  <p:oleObj spid="_x0000_s207101" name="Image" r:id="rId7" imgW="1002960" imgH="711000" progId="Photoshop.Image.13">
                     <p:embed/>
                   </p:oleObj>
                 </mc:Choice>
@@ -20579,8 +21226,8 @@
           </a:p>
         </p:txBody>
       </p:sp>
-      <mc:AlternateContent xmlns:mc="http://schemas.openxmlformats.org/markup-compatibility/2006">
-        <mc:Choice xmlns:a14="http://schemas.microsoft.com/office/drawing/2010/main" Requires="a14">
+      <mc:AlternateContent xmlns:mc="http://schemas.openxmlformats.org/markup-compatibility/2006" xmlns:a14="http://schemas.microsoft.com/office/drawing/2010/main">
+        <mc:Choice Requires="a14">
           <p:sp>
             <p:nvSpPr>
               <p:cNvPr id="6" name="内容占位符 5">
@@ -21534,7 +22181,7 @@
             </p:txBody>
           </p:sp>
         </mc:Choice>
-        <mc:Fallback>
+        <mc:Fallback xmlns="">
           <p:sp>
             <p:nvSpPr>
               <p:cNvPr id="6" name="内容占位符 5">
@@ -31537,8 +32184,8 @@
             </a:fontRef>
           </p:style>
         </p:cxnSp>
-        <mc:AlternateContent xmlns:mc="http://schemas.openxmlformats.org/markup-compatibility/2006">
-          <mc:Choice xmlns:a14="http://schemas.microsoft.com/office/drawing/2010/main" Requires="a14">
+        <mc:AlternateContent xmlns:mc="http://schemas.openxmlformats.org/markup-compatibility/2006" xmlns:a14="http://schemas.microsoft.com/office/drawing/2010/main">
+          <mc:Choice Requires="a14">
             <p:sp>
               <p:nvSpPr>
                 <p:cNvPr id="64" name="文本框 63">
@@ -31650,7 +32297,7 @@
               </p:txBody>
             </p:sp>
           </mc:Choice>
-          <mc:Fallback>
+          <mc:Fallback xmlns="">
             <p:sp>
               <p:nvSpPr>
                 <p:cNvPr id="64" name="文本框 63">
@@ -31695,8 +32342,8 @@
             </p:sp>
           </mc:Fallback>
         </mc:AlternateContent>
-        <mc:AlternateContent xmlns:mc="http://schemas.openxmlformats.org/markup-compatibility/2006">
-          <mc:Choice xmlns:a14="http://schemas.microsoft.com/office/drawing/2010/main" Requires="a14">
+        <mc:AlternateContent xmlns:mc="http://schemas.openxmlformats.org/markup-compatibility/2006" xmlns:a14="http://schemas.microsoft.com/office/drawing/2010/main">
+          <mc:Choice Requires="a14">
             <p:sp>
               <p:nvSpPr>
                 <p:cNvPr id="65" name="文本框 64">
@@ -31812,7 +32459,7 @@
               </p:txBody>
             </p:sp>
           </mc:Choice>
-          <mc:Fallback>
+          <mc:Fallback xmlns="">
             <p:sp>
               <p:nvSpPr>
                 <p:cNvPr id="65" name="文本框 64">
@@ -31878,8 +32525,8 @@
             <a:chExt cx="629816" cy="1170913"/>
           </a:xfrm>
         </p:grpSpPr>
-        <mc:AlternateContent xmlns:mc="http://schemas.openxmlformats.org/markup-compatibility/2006">
-          <mc:Choice xmlns:a14="http://schemas.microsoft.com/office/drawing/2010/main" Requires="a14">
+        <mc:AlternateContent xmlns:mc="http://schemas.openxmlformats.org/markup-compatibility/2006" xmlns:a14="http://schemas.microsoft.com/office/drawing/2010/main">
+          <mc:Choice Requires="a14">
             <p:sp>
               <p:nvSpPr>
                 <p:cNvPr id="69" name="文本框 68">
@@ -31936,7 +32583,7 @@
               </p:txBody>
             </p:sp>
           </mc:Choice>
-          <mc:Fallback>
+          <mc:Fallback xmlns="">
             <p:sp>
               <p:nvSpPr>
                 <p:cNvPr id="69" name="文本框 68">
@@ -32134,8 +32781,8 @@
             </a:fontRef>
           </p:style>
         </p:cxnSp>
-        <mc:AlternateContent xmlns:mc="http://schemas.openxmlformats.org/markup-compatibility/2006">
-          <mc:Choice xmlns:a14="http://schemas.microsoft.com/office/drawing/2010/main" Requires="a14">
+        <mc:AlternateContent xmlns:mc="http://schemas.openxmlformats.org/markup-compatibility/2006" xmlns:a14="http://schemas.microsoft.com/office/drawing/2010/main">
+          <mc:Choice Requires="a14">
             <p:sp>
               <p:nvSpPr>
                 <p:cNvPr id="66" name="文本框 65">
@@ -32256,7 +32903,7 @@
               </p:txBody>
             </p:sp>
           </mc:Choice>
-          <mc:Fallback>
+          <mc:Fallback xmlns="">
             <p:sp>
               <p:nvSpPr>
                 <p:cNvPr id="66" name="文本框 65">
@@ -32301,8 +32948,8 @@
             </p:sp>
           </mc:Fallback>
         </mc:AlternateContent>
-        <mc:AlternateContent xmlns:mc="http://schemas.openxmlformats.org/markup-compatibility/2006">
-          <mc:Choice xmlns:a14="http://schemas.microsoft.com/office/drawing/2010/main" Requires="a14">
+        <mc:AlternateContent xmlns:mc="http://schemas.openxmlformats.org/markup-compatibility/2006" xmlns:a14="http://schemas.microsoft.com/office/drawing/2010/main">
+          <mc:Choice Requires="a14">
             <p:sp>
               <p:nvSpPr>
                 <p:cNvPr id="68" name="文本框 67">
@@ -32427,7 +33074,7 @@
               </p:txBody>
             </p:sp>
           </mc:Choice>
-          <mc:Fallback>
+          <mc:Fallback xmlns="">
             <p:sp>
               <p:nvSpPr>
                 <p:cNvPr id="68" name="文本框 67">
@@ -32619,8 +33266,8 @@
             </a:fontRef>
           </p:style>
         </p:cxnSp>
-        <mc:AlternateContent xmlns:mc="http://schemas.openxmlformats.org/markup-compatibility/2006">
-          <mc:Choice xmlns:a14="http://schemas.microsoft.com/office/drawing/2010/main" Requires="a14">
+        <mc:AlternateContent xmlns:mc="http://schemas.openxmlformats.org/markup-compatibility/2006" xmlns:a14="http://schemas.microsoft.com/office/drawing/2010/main">
+          <mc:Choice Requires="a14">
             <p:sp>
               <p:nvSpPr>
                 <p:cNvPr id="70" name="文本框 69">
@@ -32677,7 +33324,7 @@
               </p:txBody>
             </p:sp>
           </mc:Choice>
-          <mc:Fallback>
+          <mc:Fallback xmlns="">
             <p:sp>
               <p:nvSpPr>
                 <p:cNvPr id="70" name="文本框 69">
@@ -32894,8 +33541,8 @@
             </a:fontRef>
           </p:style>
         </p:cxnSp>
-        <mc:AlternateContent xmlns:mc="http://schemas.openxmlformats.org/markup-compatibility/2006">
-          <mc:Choice xmlns:a14="http://schemas.microsoft.com/office/drawing/2010/main" Requires="a14">
+        <mc:AlternateContent xmlns:mc="http://schemas.openxmlformats.org/markup-compatibility/2006" xmlns:a14="http://schemas.microsoft.com/office/drawing/2010/main">
+          <mc:Choice Requires="a14">
             <p:sp>
               <p:nvSpPr>
                 <p:cNvPr id="35" name="文本框 34">
@@ -33088,7 +33735,7 @@
               </p:txBody>
             </p:sp>
           </mc:Choice>
-          <mc:Fallback>
+          <mc:Fallback xmlns="">
             <p:sp>
               <p:nvSpPr>
                 <p:cNvPr id="35" name="文本框 34">

--- a/zsx.pptx
+++ b/zsx.pptx
@@ -235,7 +235,7 @@
           <a:p>
             <a:fld id="{6854A1DB-77B4-46A1-8248-376E3A826541}" type="datetimeFigureOut">
               <a:rPr lang="zh-CN" altLang="en-US" smtClean="0"/>
-              <a:t>2023/11/25</a:t>
+              <a:t>2023/11/26</a:t>
             </a:fld>
             <a:endParaRPr lang="zh-CN" altLang="en-US"/>
           </a:p>
@@ -17324,6 +17324,40 @@
                   <a:t>.</a:t>
                 </a:r>
               </a:p>
+              <a:p>
+                <a:pPr marL="0" indent="0">
+                  <a:buNone/>
+                </a:pPr>
+                <a14:m>
+                  <m:oMath xmlns:m="http://schemas.openxmlformats.org/officeDocument/2006/math">
+                    <m:r>
+                      <a:rPr lang="en-US" altLang="zh-CN" sz="2400" b="1" i="1" smtClean="0">
+                        <a:latin typeface="Cambria Math" panose="02040503050406030204" pitchFamily="18" charset="0"/>
+                      </a:rPr>
+                      <m:t>𝒏</m:t>
+                    </m:r>
+                  </m:oMath>
+                </a14:m>
+                <a:r>
+                  <a:rPr lang="zh-CN" altLang="en-US" sz="2400" b="1" dirty="0"/>
+                  <a:t>阶方阵一定有</a:t>
+                </a:r>
+                <a14:m>
+                  <m:oMath xmlns:m="http://schemas.openxmlformats.org/officeDocument/2006/math">
+                    <m:r>
+                      <a:rPr lang="en-US" altLang="zh-CN" sz="2400" b="1" i="1" smtClean="0">
+                        <a:latin typeface="Cambria Math" panose="02040503050406030204" pitchFamily="18" charset="0"/>
+                      </a:rPr>
+                      <m:t>𝒏</m:t>
+                    </m:r>
+                  </m:oMath>
+                </a14:m>
+                <a:r>
+                  <a:rPr lang="zh-CN" altLang="en-US" sz="2400" b="1" dirty="0"/>
+                  <a:t>个线性无关的特征向量吗？</a:t>
+                </a:r>
+                <a:endParaRPr lang="en-US" altLang="zh-CN" sz="2400" b="1" dirty="0"/>
+              </a:p>
             </p:txBody>
           </p:sp>
         </mc:Choice>
@@ -17374,552 +17408,6 @@
           </p:sp>
         </mc:Fallback>
       </mc:AlternateContent>
-      <p:grpSp>
-        <p:nvGrpSpPr>
-          <p:cNvPr id="21" name="组合 20">
-            <a:extLst>
-              <a:ext uri="{FF2B5EF4-FFF2-40B4-BE49-F238E27FC236}">
-                <a16:creationId xmlns:a16="http://schemas.microsoft.com/office/drawing/2014/main" id="{2B71B12E-D241-43A9-BC12-C65883C70048}"/>
-              </a:ext>
-            </a:extLst>
-          </p:cNvPr>
-          <p:cNvGrpSpPr/>
-          <p:nvPr/>
-        </p:nvGrpSpPr>
-        <p:grpSpPr>
-          <a:xfrm>
-            <a:off x="3318012" y="2035776"/>
-            <a:ext cx="1800225" cy="1854000"/>
-            <a:chOff x="3318012" y="2251800"/>
-            <a:chExt cx="1800225" cy="1854000"/>
-          </a:xfrm>
-        </p:grpSpPr>
-        <p:pic>
-          <p:nvPicPr>
-            <p:cNvPr id="17" name="图片 16">
-              <a:extLst>
-                <a:ext uri="{FF2B5EF4-FFF2-40B4-BE49-F238E27FC236}">
-                  <a16:creationId xmlns:a16="http://schemas.microsoft.com/office/drawing/2014/main" id="{1F3EB234-3D79-4630-A4CB-E86329081403}"/>
-                </a:ext>
-              </a:extLst>
-            </p:cNvPr>
-            <p:cNvPicPr>
-              <a:picLocks noChangeAspect="1"/>
-            </p:cNvPicPr>
-            <p:nvPr/>
-          </p:nvPicPr>
-          <p:blipFill>
-            <a:blip r:embed="rId4"/>
-            <a:stretch>
-              <a:fillRect/>
-            </a:stretch>
-          </p:blipFill>
-          <p:spPr>
-            <a:xfrm>
-              <a:off x="3318012" y="2455631"/>
-              <a:ext cx="1800225" cy="1438275"/>
-            </a:xfrm>
-            <a:prstGeom prst="rect">
-              <a:avLst/>
-            </a:prstGeom>
-          </p:spPr>
-        </p:pic>
-        <p:sp>
-          <p:nvSpPr>
-            <p:cNvPr id="18" name="平行四边形 17">
-              <a:extLst>
-                <a:ext uri="{FF2B5EF4-FFF2-40B4-BE49-F238E27FC236}">
-                  <a16:creationId xmlns:a16="http://schemas.microsoft.com/office/drawing/2014/main" id="{C2843672-2E9C-4A27-BF0F-2903CED081CA}"/>
-                </a:ext>
-              </a:extLst>
-            </p:cNvPr>
-            <p:cNvSpPr/>
-            <p:nvPr/>
-          </p:nvSpPr>
-          <p:spPr>
-            <a:xfrm rot="4550475">
-              <a:off x="3287201" y="2476800"/>
-              <a:ext cx="1854000" cy="1404000"/>
-            </a:xfrm>
-            <a:prstGeom prst="parallelogram">
-              <a:avLst>
-                <a:gd name="adj" fmla="val 25924"/>
-              </a:avLst>
-            </a:prstGeom>
-            <a:noFill/>
-            <a:ln>
-              <a:solidFill>
-                <a:srgbClr val="FF0000"/>
-              </a:solidFill>
-            </a:ln>
-          </p:spPr>
-          <p:style>
-            <a:lnRef idx="2">
-              <a:schemeClr val="accent1">
-                <a:shade val="50000"/>
-              </a:schemeClr>
-            </a:lnRef>
-            <a:fillRef idx="1">
-              <a:schemeClr val="accent1"/>
-            </a:fillRef>
-            <a:effectRef idx="0">
-              <a:schemeClr val="accent1"/>
-            </a:effectRef>
-            <a:fontRef idx="minor">
-              <a:schemeClr val="lt1"/>
-            </a:fontRef>
-          </p:style>
-          <p:txBody>
-            <a:bodyPr rtlCol="0" anchor="ctr"/>
-            <a:lstStyle/>
-            <a:p>
-              <a:pPr algn="ctr"/>
-              <a:endParaRPr lang="zh-CN" altLang="en-US"/>
-            </a:p>
-          </p:txBody>
-        </p:sp>
-      </p:grpSp>
-      <p:grpSp>
-        <p:nvGrpSpPr>
-          <p:cNvPr id="3" name="组合 2">
-            <a:extLst>
-              <a:ext uri="{FF2B5EF4-FFF2-40B4-BE49-F238E27FC236}">
-                <a16:creationId xmlns:a16="http://schemas.microsoft.com/office/drawing/2014/main" id="{8B050800-4EB8-4263-A502-0D9DB924D354}"/>
-              </a:ext>
-            </a:extLst>
-          </p:cNvPr>
-          <p:cNvGrpSpPr/>
-          <p:nvPr/>
-        </p:nvGrpSpPr>
-        <p:grpSpPr>
-          <a:xfrm>
-            <a:off x="3132168" y="1779662"/>
-            <a:ext cx="3074173" cy="2246769"/>
-            <a:chOff x="7020432" y="979038"/>
-            <a:chExt cx="3074173" cy="2246769"/>
-          </a:xfrm>
-        </p:grpSpPr>
-        <p:grpSp>
-          <p:nvGrpSpPr>
-            <p:cNvPr id="4" name="组合 3">
-              <a:extLst>
-                <a:ext uri="{FF2B5EF4-FFF2-40B4-BE49-F238E27FC236}">
-                  <a16:creationId xmlns:a16="http://schemas.microsoft.com/office/drawing/2014/main" id="{1F512129-F916-485B-A1DD-8A8BB6927729}"/>
-                </a:ext>
-              </a:extLst>
-            </p:cNvPr>
-            <p:cNvGrpSpPr/>
-            <p:nvPr/>
-          </p:nvGrpSpPr>
-          <p:grpSpPr>
-            <a:xfrm>
-              <a:off x="7020432" y="1116000"/>
-              <a:ext cx="2952000" cy="2023278"/>
-              <a:chOff x="7020432" y="1116000"/>
-              <a:chExt cx="2952000" cy="2023278"/>
-            </a:xfrm>
-          </p:grpSpPr>
-          <p:cxnSp>
-            <p:nvCxnSpPr>
-              <p:cNvPr id="6" name="直接箭头连接符 5">
-                <a:extLst>
-                  <a:ext uri="{FF2B5EF4-FFF2-40B4-BE49-F238E27FC236}">
-                    <a16:creationId xmlns:a16="http://schemas.microsoft.com/office/drawing/2014/main" id="{910B2172-7E66-4555-817D-B9BE84DAFEE8}"/>
-                  </a:ext>
-                </a:extLst>
-              </p:cNvPr>
-              <p:cNvCxnSpPr>
-                <a:cxnSpLocks/>
-              </p:cNvCxnSpPr>
-              <p:nvPr/>
-            </p:nvCxnSpPr>
-            <p:spPr>
-              <a:xfrm flipV="1">
-                <a:off x="7560000" y="1116000"/>
-                <a:ext cx="0" cy="2023278"/>
-              </a:xfrm>
-              <a:prstGeom prst="straightConnector1">
-                <a:avLst/>
-              </a:prstGeom>
-              <a:ln w="12700">
-                <a:tailEnd type="triangle" w="med" len="lg"/>
-              </a:ln>
-            </p:spPr>
-            <p:style>
-              <a:lnRef idx="1">
-                <a:schemeClr val="accent1"/>
-              </a:lnRef>
-              <a:fillRef idx="0">
-                <a:schemeClr val="accent1"/>
-              </a:fillRef>
-              <a:effectRef idx="0">
-                <a:schemeClr val="accent1"/>
-              </a:effectRef>
-              <a:fontRef idx="minor">
-                <a:schemeClr val="tx1"/>
-              </a:fontRef>
-            </p:style>
-          </p:cxnSp>
-          <p:cxnSp>
-            <p:nvCxnSpPr>
-              <p:cNvPr id="7" name="直接箭头连接符 6">
-                <a:extLst>
-                  <a:ext uri="{FF2B5EF4-FFF2-40B4-BE49-F238E27FC236}">
-                    <a16:creationId xmlns:a16="http://schemas.microsoft.com/office/drawing/2014/main" id="{97DF49B0-6F6C-4575-92CD-B9A4429B5664}"/>
-                  </a:ext>
-                </a:extLst>
-              </p:cNvPr>
-              <p:cNvCxnSpPr>
-                <a:cxnSpLocks/>
-              </p:cNvCxnSpPr>
-              <p:nvPr/>
-            </p:nvCxnSpPr>
-            <p:spPr>
-              <a:xfrm>
-                <a:off x="7020432" y="2880000"/>
-                <a:ext cx="2952000" cy="0"/>
-              </a:xfrm>
-              <a:prstGeom prst="straightConnector1">
-                <a:avLst/>
-              </a:prstGeom>
-              <a:ln w="12700">
-                <a:tailEnd type="triangle" w="med" len="lg"/>
-              </a:ln>
-            </p:spPr>
-            <p:style>
-              <a:lnRef idx="1">
-                <a:schemeClr val="accent1"/>
-              </a:lnRef>
-              <a:fillRef idx="0">
-                <a:schemeClr val="accent1"/>
-              </a:fillRef>
-              <a:effectRef idx="0">
-                <a:schemeClr val="accent1"/>
-              </a:effectRef>
-              <a:fontRef idx="minor">
-                <a:schemeClr val="tx1"/>
-              </a:fontRef>
-            </p:style>
-          </p:cxnSp>
-        </p:grpSp>
-        <mc:AlternateContent xmlns:mc="http://schemas.openxmlformats.org/markup-compatibility/2006">
-          <mc:Choice xmlns:a14="http://schemas.microsoft.com/office/drawing/2010/main" Requires="a14">
-            <p:sp>
-              <p:nvSpPr>
-                <p:cNvPr id="5" name="文本框 4">
-                  <a:extLst>
-                    <a:ext uri="{FF2B5EF4-FFF2-40B4-BE49-F238E27FC236}">
-                      <a16:creationId xmlns:a16="http://schemas.microsoft.com/office/drawing/2014/main" id="{C4D8B3CA-7C39-4DF8-B1D7-466DC9C88351}"/>
-                    </a:ext>
-                  </a:extLst>
-                </p:cNvPr>
-                <p:cNvSpPr txBox="1"/>
-                <p:nvPr/>
-              </p:nvSpPr>
-              <p:spPr>
-                <a:xfrm>
-                  <a:off x="7204018" y="979038"/>
-                  <a:ext cx="2890587" cy="2246769"/>
-                </a:xfrm>
-                <a:prstGeom prst="rect">
-                  <a:avLst/>
-                </a:prstGeom>
-                <a:noFill/>
-              </p:spPr>
-              <p:txBody>
-                <a:bodyPr wrap="square" rtlCol="0">
-                  <a:spAutoFit/>
-                </a:bodyPr>
-                <a:lstStyle/>
-                <a:p>
-                  <a:r>
-                    <a:rPr lang="en-US" altLang="zh-CN" sz="2000" b="0" dirty="0">
-                      <a:solidFill>
-                        <a:schemeClr val="accent1"/>
-                      </a:solidFill>
-                    </a:rPr>
-                    <a:t>     </a:t>
-                  </a:r>
-                  <a14:m>
-                    <m:oMath xmlns:m="http://schemas.openxmlformats.org/officeDocument/2006/math">
-                      <m:r>
-                        <a:rPr lang="en-US" altLang="zh-CN" sz="2000" b="0" i="1" smtClean="0">
-                          <a:solidFill>
-                            <a:schemeClr val="accent1"/>
-                          </a:solidFill>
-                          <a:latin typeface="Cambria Math" panose="02040503050406030204" pitchFamily="18" charset="0"/>
-                        </a:rPr>
-                        <m:t>𝑦</m:t>
-                      </m:r>
-                    </m:oMath>
-                  </a14:m>
-                  <a:r>
-                    <a:rPr lang="en-US" altLang="zh-CN" sz="2000" b="0" dirty="0">
-                      <a:solidFill>
-                        <a:schemeClr val="accent1"/>
-                      </a:solidFill>
-                    </a:rPr>
-                    <a:t> </a:t>
-                  </a:r>
-                </a:p>
-                <a:p>
-                  <a:endParaRPr lang="en-US" altLang="zh-CN" sz="2000" b="0" dirty="0">
-                    <a:solidFill>
-                      <a:schemeClr val="accent1"/>
-                    </a:solidFill>
-                  </a:endParaRPr>
-                </a:p>
-                <a:p>
-                  <a:endParaRPr lang="en-US" altLang="zh-CN" sz="2000" dirty="0">
-                    <a:solidFill>
-                      <a:schemeClr val="accent1"/>
-                    </a:solidFill>
-                  </a:endParaRPr>
-                </a:p>
-                <a:p>
-                  <a:endParaRPr lang="en-US" altLang="zh-CN" sz="2000" b="0" dirty="0">
-                    <a:solidFill>
-                      <a:schemeClr val="accent1"/>
-                    </a:solidFill>
-                  </a:endParaRPr>
-                </a:p>
-                <a:p>
-                  <a:endParaRPr lang="en-US" altLang="zh-CN" sz="2000" b="0" dirty="0">
-                    <a:solidFill>
-                      <a:schemeClr val="accent1"/>
-                    </a:solidFill>
-                  </a:endParaRPr>
-                </a:p>
-                <a:p>
-                  <a:endParaRPr lang="en-US" altLang="zh-CN" sz="2000" b="0" i="1" dirty="0">
-                    <a:solidFill>
-                      <a:schemeClr val="accent1"/>
-                    </a:solidFill>
-                    <a:latin typeface="Cambria Math" panose="02040503050406030204" pitchFamily="18" charset="0"/>
-                  </a:endParaRPr>
-                </a:p>
-                <a:p>
-                  <a:r>
-                    <a:rPr lang="en-US" altLang="zh-CN" sz="2000" b="0" dirty="0">
-                      <a:solidFill>
-                        <a:schemeClr val="accent1"/>
-                      </a:solidFill>
-                    </a:rPr>
-                    <a:t> </a:t>
-                  </a:r>
-                  <a14:m>
-                    <m:oMath xmlns:m="http://schemas.openxmlformats.org/officeDocument/2006/math">
-                      <m:r>
-                        <a:rPr lang="en-US" altLang="zh-CN" sz="2000" b="0" i="1" smtClean="0">
-                          <a:solidFill>
-                            <a:schemeClr val="accent1"/>
-                          </a:solidFill>
-                          <a:latin typeface="Cambria Math" panose="02040503050406030204" pitchFamily="18" charset="0"/>
-                        </a:rPr>
-                        <m:t>𝑂</m:t>
-                      </m:r>
-                    </m:oMath>
-                  </a14:m>
-                  <a:r>
-                    <a:rPr lang="en-US" altLang="zh-CN" sz="2000" dirty="0">
-                      <a:solidFill>
-                        <a:schemeClr val="accent1"/>
-                      </a:solidFill>
-                    </a:rPr>
-                    <a:t>  </a:t>
-                  </a:r>
-                  <a:r>
-                    <a:rPr lang="en-US" altLang="zh-CN" sz="1200" dirty="0">
-                      <a:solidFill>
-                        <a:schemeClr val="accent1"/>
-                      </a:solidFill>
-                    </a:rPr>
-                    <a:t> </a:t>
-                  </a:r>
-                  <a:r>
-                    <a:rPr lang="en-US" altLang="zh-CN" sz="2000" dirty="0">
-                      <a:solidFill>
-                        <a:schemeClr val="accent1"/>
-                      </a:solidFill>
-                    </a:rPr>
-                    <a:t>                </a:t>
-                  </a:r>
-                  <a14:m>
-                    <m:oMath xmlns:m="http://schemas.openxmlformats.org/officeDocument/2006/math">
-                      <m:r>
-                        <a:rPr lang="en-US" altLang="zh-CN" sz="2000" i="1">
-                          <a:solidFill>
-                            <a:schemeClr val="accent1"/>
-                          </a:solidFill>
-                          <a:latin typeface="Cambria Math" panose="02040503050406030204" pitchFamily="18" charset="0"/>
-                        </a:rPr>
-                        <m:t>𝑥</m:t>
-                      </m:r>
-                    </m:oMath>
-                  </a14:m>
-                  <a:endParaRPr lang="zh-CN" altLang="en-US" sz="2000" dirty="0">
-                    <a:solidFill>
-                      <a:schemeClr val="accent1"/>
-                    </a:solidFill>
-                  </a:endParaRPr>
-                </a:p>
-              </p:txBody>
-            </p:sp>
-          </mc:Choice>
-          <mc:Fallback>
-            <p:sp>
-              <p:nvSpPr>
-                <p:cNvPr id="5" name="文本框 4">
-                  <a:extLst>
-                    <a:ext uri="{FF2B5EF4-FFF2-40B4-BE49-F238E27FC236}">
-                      <a16:creationId xmlns:a16="http://schemas.microsoft.com/office/drawing/2014/main" id="{C4D8B3CA-7C39-4DF8-B1D7-466DC9C88351}"/>
-                    </a:ext>
-                  </a:extLst>
-                </p:cNvPr>
-                <p:cNvSpPr txBox="1">
-                  <a:spLocks noRot="1" noChangeAspect="1" noMove="1" noResize="1" noEditPoints="1" noAdjustHandles="1" noChangeArrowheads="1" noChangeShapeType="1" noTextEdit="1"/>
-                </p:cNvSpPr>
-                <p:nvPr/>
-              </p:nvSpPr>
-              <p:spPr>
-                <a:xfrm>
-                  <a:off x="7204018" y="979038"/>
-                  <a:ext cx="2890587" cy="2246769"/>
-                </a:xfrm>
-                <a:prstGeom prst="rect">
-                  <a:avLst/>
-                </a:prstGeom>
-                <a:blipFill>
-                  <a:blip r:embed="rId5"/>
-                  <a:stretch>
-                    <a:fillRect/>
-                  </a:stretch>
-                </a:blipFill>
-              </p:spPr>
-              <p:txBody>
-                <a:bodyPr/>
-                <a:lstStyle/>
-                <a:p>
-                  <a:r>
-                    <a:rPr lang="zh-CN" altLang="en-US">
-                      <a:noFill/>
-                    </a:rPr>
-                    <a:t> </a:t>
-                  </a:r>
-                </a:p>
-              </p:txBody>
-            </p:sp>
-          </mc:Fallback>
-        </mc:AlternateContent>
-      </p:grpSp>
-      <p:grpSp>
-        <p:nvGrpSpPr>
-          <p:cNvPr id="20" name="组合 19">
-            <a:extLst>
-              <a:ext uri="{FF2B5EF4-FFF2-40B4-BE49-F238E27FC236}">
-                <a16:creationId xmlns:a16="http://schemas.microsoft.com/office/drawing/2014/main" id="{F0561A94-6B2D-4F07-93A7-13C2AD018DD3}"/>
-              </a:ext>
-            </a:extLst>
-          </p:cNvPr>
-          <p:cNvGrpSpPr/>
-          <p:nvPr/>
-        </p:nvGrpSpPr>
-        <p:grpSpPr>
-          <a:xfrm>
-            <a:off x="3674376" y="2229202"/>
-            <a:ext cx="1440001" cy="1447052"/>
-            <a:chOff x="4932040" y="2132650"/>
-            <a:chExt cx="1440001" cy="1447052"/>
-          </a:xfrm>
-        </p:grpSpPr>
-        <p:pic>
-          <p:nvPicPr>
-            <p:cNvPr id="12" name="图片 11">
-              <a:extLst>
-                <a:ext uri="{FF2B5EF4-FFF2-40B4-BE49-F238E27FC236}">
-                  <a16:creationId xmlns:a16="http://schemas.microsoft.com/office/drawing/2014/main" id="{8938BFEF-4B76-4831-93B7-35C33C18BCDA}"/>
-                </a:ext>
-              </a:extLst>
-            </p:cNvPr>
-            <p:cNvPicPr>
-              <a:picLocks/>
-            </p:cNvPicPr>
-            <p:nvPr/>
-          </p:nvPicPr>
-          <p:blipFill rotWithShape="1">
-            <a:blip r:embed="rId6" cstate="print">
-              <a:extLst>
-                <a:ext uri="{28A0092B-C50C-407E-A947-70E740481C1C}">
-                  <a14:useLocalDpi xmlns:a14="http://schemas.microsoft.com/office/drawing/2010/main" val="0"/>
-                </a:ext>
-              </a:extLst>
-            </a:blip>
-            <a:srcRect l="2" r="33610"/>
-            <a:stretch/>
-          </p:blipFill>
-          <p:spPr>
-            <a:xfrm>
-              <a:off x="4932040" y="2139702"/>
-              <a:ext cx="1440000" cy="1440000"/>
-            </a:xfrm>
-            <a:prstGeom prst="rect">
-              <a:avLst/>
-            </a:prstGeom>
-          </p:spPr>
-        </p:pic>
-        <p:sp>
-          <p:nvSpPr>
-            <p:cNvPr id="19" name="矩形 18">
-              <a:extLst>
-                <a:ext uri="{FF2B5EF4-FFF2-40B4-BE49-F238E27FC236}">
-                  <a16:creationId xmlns:a16="http://schemas.microsoft.com/office/drawing/2014/main" id="{DCE51208-4282-4C69-8007-1CDEFB40246A}"/>
-                </a:ext>
-              </a:extLst>
-            </p:cNvPr>
-            <p:cNvSpPr/>
-            <p:nvPr/>
-          </p:nvSpPr>
-          <p:spPr>
-            <a:xfrm>
-              <a:off x="4932041" y="2132650"/>
-              <a:ext cx="1440000" cy="1440000"/>
-            </a:xfrm>
-            <a:prstGeom prst="rect">
-              <a:avLst/>
-            </a:prstGeom>
-            <a:noFill/>
-            <a:ln>
-              <a:solidFill>
-                <a:srgbClr val="FF0000"/>
-              </a:solidFill>
-            </a:ln>
-          </p:spPr>
-          <p:style>
-            <a:lnRef idx="2">
-              <a:schemeClr val="accent1">
-                <a:shade val="50000"/>
-              </a:schemeClr>
-            </a:lnRef>
-            <a:fillRef idx="1">
-              <a:schemeClr val="accent1"/>
-            </a:fillRef>
-            <a:effectRef idx="0">
-              <a:schemeClr val="accent1"/>
-            </a:effectRef>
-            <a:fontRef idx="minor">
-              <a:schemeClr val="lt1"/>
-            </a:fontRef>
-          </p:style>
-          <p:txBody>
-            <a:bodyPr rtlCol="0" anchor="ctr"/>
-            <a:lstStyle/>
-            <a:p>
-              <a:pPr algn="ctr"/>
-              <a:endParaRPr lang="zh-CN" altLang="en-US"/>
-            </a:p>
-          </p:txBody>
-        </p:sp>
-      </p:grpSp>
     </p:spTree>
     <p:extLst>
       <p:ext uri="{BB962C8B-B14F-4D97-AF65-F5344CB8AC3E}">
@@ -17950,9 +17438,6 @@
                     <p:cTn id="3" fill="hold">
                       <p:stCondLst>
                         <p:cond delay="indefinite"/>
-                        <p:cond evt="onBegin" delay="0">
-                          <p:tn val="2"/>
-                        </p:cond>
                       </p:stCondLst>
                       <p:childTnLst>
                         <p:par>
@@ -17962,7 +17447,7 @@
                             </p:stCondLst>
                             <p:childTnLst>
                               <p:par>
-                                <p:cTn id="5" presetID="10" presetClass="entr" presetSubtype="0" fill="hold" grpId="0" nodeType="afterEffect">
+                                <p:cTn id="5" presetID="10" presetClass="entr" presetSubtype="0" fill="hold" grpId="0" nodeType="clickEffect">
                                   <p:stCondLst>
                                     <p:cond delay="0"/>
                                   </p:stCondLst>
@@ -18023,7 +17508,7 @@
                             </p:stCondLst>
                             <p:childTnLst>
                               <p:par>
-                                <p:cTn id="10" presetID="1" presetClass="entr" presetSubtype="0" fill="hold" nodeType="clickEffect">
+                                <p:cTn id="10" presetID="10" presetClass="entr" presetSubtype="0" fill="hold" grpId="0" nodeType="clickEffect">
                                   <p:stCondLst>
                                     <p:cond delay="0"/>
                                   </p:stCondLst>
@@ -18036,7 +17521,11 @@
                                           </p:stCondLst>
                                         </p:cTn>
                                         <p:tgtEl>
-                                          <p:spTgt spid="3"/>
+                                          <p:spTgt spid="9">
+                                            <p:txEl>
+                                              <p:pRg st="1" end="1"/>
+                                            </p:txEl>
+                                          </p:spTgt>
                                         </p:tgtEl>
                                         <p:attrNameLst>
                                           <p:attrName>style.visibility</p:attrName>
@@ -18046,147 +17535,18 @@
                                         <p:strVal val="visible"/>
                                       </p:to>
                                     </p:set>
-                                  </p:childTnLst>
-                                </p:cTn>
-                              </p:par>
-                            </p:childTnLst>
-                          </p:cTn>
-                        </p:par>
-                      </p:childTnLst>
-                    </p:cTn>
-                  </p:par>
-                  <p:par>
-                    <p:cTn id="12" fill="hold">
-                      <p:stCondLst>
-                        <p:cond delay="indefinite"/>
-                      </p:stCondLst>
-                      <p:childTnLst>
-                        <p:par>
-                          <p:cTn id="13" fill="hold">
-                            <p:stCondLst>
-                              <p:cond delay="0"/>
-                            </p:stCondLst>
-                            <p:childTnLst>
-                              <p:par>
-                                <p:cTn id="14" presetID="22" presetClass="entr" presetSubtype="8" fill="hold" nodeType="clickEffect">
-                                  <p:stCondLst>
-                                    <p:cond delay="0"/>
-                                  </p:stCondLst>
-                                  <p:childTnLst>
-                                    <p:set>
+                                    <p:animEffect transition="in" filter="fade">
                                       <p:cBhvr>
-                                        <p:cTn id="15" dur="1" fill="hold">
-                                          <p:stCondLst>
-                                            <p:cond delay="0"/>
-                                          </p:stCondLst>
-                                        </p:cTn>
+                                        <p:cTn id="12" dur="500"/>
                                         <p:tgtEl>
-                                          <p:spTgt spid="21"/>
-                                        </p:tgtEl>
-                                        <p:attrNameLst>
-                                          <p:attrName>style.visibility</p:attrName>
-                                        </p:attrNameLst>
-                                      </p:cBhvr>
-                                      <p:to>
-                                        <p:strVal val="visible"/>
-                                      </p:to>
-                                    </p:set>
-                                    <p:animEffect transition="in" filter="wipe(left)">
-                                      <p:cBhvr>
-                                        <p:cTn id="16" dur="500"/>
-                                        <p:tgtEl>
-                                          <p:spTgt spid="21"/>
+                                          <p:spTgt spid="9">
+                                            <p:txEl>
+                                              <p:pRg st="1" end="1"/>
+                                            </p:txEl>
+                                          </p:spTgt>
                                         </p:tgtEl>
                                       </p:cBhvr>
                                     </p:animEffect>
-                                  </p:childTnLst>
-                                </p:cTn>
-                              </p:par>
-                            </p:childTnLst>
-                          </p:cTn>
-                        </p:par>
-                      </p:childTnLst>
-                    </p:cTn>
-                  </p:par>
-                  <p:par>
-                    <p:cTn id="17" fill="hold">
-                      <p:stCondLst>
-                        <p:cond delay="indefinite"/>
-                      </p:stCondLst>
-                      <p:childTnLst>
-                        <p:par>
-                          <p:cTn id="18" fill="hold">
-                            <p:stCondLst>
-                              <p:cond delay="0"/>
-                            </p:stCondLst>
-                            <p:childTnLst>
-                              <p:par>
-                                <p:cTn id="19" presetID="22" presetClass="entr" presetSubtype="8" fill="hold" nodeType="clickEffect">
-                                  <p:stCondLst>
-                                    <p:cond delay="0"/>
-                                  </p:stCondLst>
-                                  <p:childTnLst>
-                                    <p:set>
-                                      <p:cBhvr>
-                                        <p:cTn id="20" dur="1" fill="hold">
-                                          <p:stCondLst>
-                                            <p:cond delay="0"/>
-                                          </p:stCondLst>
-                                        </p:cTn>
-                                        <p:tgtEl>
-                                          <p:spTgt spid="20"/>
-                                        </p:tgtEl>
-                                        <p:attrNameLst>
-                                          <p:attrName>style.visibility</p:attrName>
-                                        </p:attrNameLst>
-                                      </p:cBhvr>
-                                      <p:to>
-                                        <p:strVal val="visible"/>
-                                      </p:to>
-                                    </p:set>
-                                    <p:animEffect transition="in" filter="wipe(left)">
-                                      <p:cBhvr>
-                                        <p:cTn id="21" dur="500"/>
-                                        <p:tgtEl>
-                                          <p:spTgt spid="20"/>
-                                        </p:tgtEl>
-                                      </p:cBhvr>
-                                    </p:animEffect>
-                                  </p:childTnLst>
-                                </p:cTn>
-                              </p:par>
-                              <p:par>
-                                <p:cTn id="22" presetID="22" presetClass="exit" presetSubtype="8" fill="hold" nodeType="withEffect">
-                                  <p:stCondLst>
-                                    <p:cond delay="0"/>
-                                  </p:stCondLst>
-                                  <p:childTnLst>
-                                    <p:animEffect transition="out" filter="wipe(left)">
-                                      <p:cBhvr>
-                                        <p:cTn id="23" dur="500"/>
-                                        <p:tgtEl>
-                                          <p:spTgt spid="21"/>
-                                        </p:tgtEl>
-                                      </p:cBhvr>
-                                    </p:animEffect>
-                                    <p:set>
-                                      <p:cBhvr>
-                                        <p:cTn id="24" dur="1" fill="hold">
-                                          <p:stCondLst>
-                                            <p:cond delay="499"/>
-                                          </p:stCondLst>
-                                        </p:cTn>
-                                        <p:tgtEl>
-                                          <p:spTgt spid="21"/>
-                                        </p:tgtEl>
-                                        <p:attrNameLst>
-                                          <p:attrName>style.visibility</p:attrName>
-                                        </p:attrNameLst>
-                                      </p:cBhvr>
-                                      <p:to>
-                                        <p:strVal val="hidden"/>
-                                      </p:to>
-                                    </p:set>
                                   </p:childTnLst>
                                 </p:cTn>
                               </p:par>
@@ -18406,7 +17766,7 @@
           <a:graphicData uri="http://schemas.openxmlformats.org/presentationml/2006/ole">
             <mc:AlternateContent xmlns:mc="http://schemas.openxmlformats.org/markup-compatibility/2006">
               <mc:Choice xmlns:v="urn:schemas-microsoft-com:vml" Requires="v">
-                <p:oleObj spid="_x0000_s206211" name="Image" r:id="rId6" imgW="1015560" imgH="711000" progId="Photoshop.Image.13">
+                <p:oleObj spid="_x0000_s206214" name="Image" r:id="rId6" imgW="1015560" imgH="711000" progId="Photoshop.Image.13">
                   <p:embed/>
                 </p:oleObj>
               </mc:Choice>
@@ -18475,7 +17835,7 @@
           <a:graphicData uri="http://schemas.openxmlformats.org/presentationml/2006/ole">
             <mc:AlternateContent xmlns:mc="http://schemas.openxmlformats.org/markup-compatibility/2006">
               <mc:Choice xmlns:v="urn:schemas-microsoft-com:vml" Requires="v">
-                <p:oleObj spid="_x0000_s206212" name="Image" r:id="rId8" imgW="1002960" imgH="711000" progId="Photoshop.Image.13">
+                <p:oleObj spid="_x0000_s206215" name="Image" r:id="rId8" imgW="1002960" imgH="711000" progId="Photoshop.Image.13">
                   <p:embed/>
                 </p:oleObj>
               </mc:Choice>
@@ -18852,7 +18212,7 @@
               <a:graphicData uri="http://schemas.openxmlformats.org/presentationml/2006/ole">
                 <mc:AlternateContent xmlns:mc="http://schemas.openxmlformats.org/markup-compatibility/2006">
                   <mc:Choice xmlns:v="urn:schemas-microsoft-com:vml" Requires="v">
-                    <p:oleObj spid="_x0000_s206213" name="Image" r:id="rId8" imgW="1002960" imgH="711000" progId="Photoshop.Image.13">
+                    <p:oleObj spid="_x0000_s206216" name="Image" r:id="rId8" imgW="1002960" imgH="711000" progId="Photoshop.Image.13">
                       <p:embed/>
                     </p:oleObj>
                   </mc:Choice>
@@ -20693,7 +20053,7 @@
             <a:graphicData uri="http://schemas.openxmlformats.org/presentationml/2006/ole">
               <mc:AlternateContent xmlns:mc="http://schemas.openxmlformats.org/markup-compatibility/2006">
                 <mc:Choice xmlns:v="urn:schemas-microsoft-com:vml" Requires="v">
-                  <p:oleObj spid="_x0000_s207100" name="Image" r:id="rId5" imgW="1015560" imgH="711000" progId="Photoshop.Image.13">
+                  <p:oleObj spid="_x0000_s207102" name="Image" r:id="rId5" imgW="1015560" imgH="711000" progId="Photoshop.Image.13">
                     <p:embed/>
                   </p:oleObj>
                 </mc:Choice>
@@ -20762,7 +20122,7 @@
             <a:graphicData uri="http://schemas.openxmlformats.org/presentationml/2006/ole">
               <mc:AlternateContent xmlns:mc="http://schemas.openxmlformats.org/markup-compatibility/2006">
                 <mc:Choice xmlns:v="urn:schemas-microsoft-com:vml" Requires="v">
-                  <p:oleObj spid="_x0000_s207101" name="Image" r:id="rId7" imgW="1002960" imgH="711000" progId="Photoshop.Image.13">
+                  <p:oleObj spid="_x0000_s207103" name="Image" r:id="rId7" imgW="1002960" imgH="711000" progId="Photoshop.Image.13">
                     <p:embed/>
                   </p:oleObj>
                 </mc:Choice>
